--- a/Slides/Azure and Terraform Workshop - Chapter 4.pptx
+++ b/Slides/Azure and Terraform Workshop - Chapter 4.pptx
@@ -328,6 +328,11 @@
       </a:defRPr>
     </a:lvl9pPr>
   </p:defaultTextStyle>
+  <p:extLst>
+    <p:ext uri="{EFAFB233-063F-42B5-8137-9DF3F51BA10A}">
+      <p15:sldGuideLst xmlns:p15="http://schemas.microsoft.com/office/powerpoint/2012/main"/>
+    </p:ext>
+  </p:extLst>
 </p:presentation>
 </file>
 
@@ -1306,6 +1311,10 @@
           </p:nvPr>
         </p:nvSpPr>
         <p:spPr>
+          <a:xfrm>
+            <a:off x="381000" y="685800"/>
+            <a:ext cx="6096000" cy="3429000"/>
+          </a:xfrm>
           <a:prstGeom prst="rect">
             <a:avLst/>
           </a:prstGeom>
@@ -1346,11 +1355,125 @@
               </a:defRPr>
             </a:pPr>
             <a:r>
+              <a:rPr dirty="0"/>
               <a:t>As a class, work through these exercises. The configuration column represents the local terraform configuration. The state represents the store state. The reality represents what is out on the remote provider. </a:t>
             </a:r>
             <a:r>
-              <a:rPr b="1"/>
+              <a:rPr b="1" dirty="0"/>
               <a:t>Do not advance the slide until you've answered all the questions.</a:t>
+            </a:r>
+            <a:r>
+              <a:rPr lang="en-US" b="1" dirty="0"/>
+              <a:t> </a:t>
+            </a:r>
+          </a:p>
+          <a:p>
+            <a:pPr>
+              <a:defRPr>
+                <a:latin typeface="Helvetica"/>
+                <a:ea typeface="Helvetica"/>
+                <a:cs typeface="Helvetica"/>
+                <a:sym typeface="Helvetica"/>
+              </a:defRPr>
+            </a:pPr>
+            <a:endParaRPr lang="en-US" b="1" dirty="0"/>
+          </a:p>
+          <a:p>
+            <a:pPr>
+              <a:defRPr>
+                <a:latin typeface="Helvetica"/>
+                <a:ea typeface="Helvetica"/>
+                <a:cs typeface="Helvetica"/>
+                <a:sym typeface="Helvetica"/>
+              </a:defRPr>
+            </a:pPr>
+            <a:r>
+              <a:rPr lang="en-US" b="0" dirty="0"/>
+              <a:t>Row 1:  Fresh Terraform code, nothing exists in the cloud and nothing in your state file yet.</a:t>
+            </a:r>
+          </a:p>
+          <a:p>
+            <a:pPr>
+              <a:defRPr>
+                <a:latin typeface="Helvetica"/>
+                <a:ea typeface="Helvetica"/>
+                <a:cs typeface="Helvetica"/>
+                <a:sym typeface="Helvetica"/>
+              </a:defRPr>
+            </a:pPr>
+            <a:r>
+              <a:rPr lang="en-US" b="0" dirty="0"/>
+              <a:t>Row 2:  Terraform code, a state file, but someone may have deleted the resource(s) from the cloud.</a:t>
+            </a:r>
+          </a:p>
+          <a:p>
+            <a:pPr>
+              <a:defRPr>
+                <a:latin typeface="Helvetica"/>
+                <a:ea typeface="Helvetica"/>
+                <a:cs typeface="Helvetica"/>
+                <a:sym typeface="Helvetica"/>
+              </a:defRPr>
+            </a:pPr>
+            <a:r>
+              <a:rPr lang="en-US" b="0" dirty="0"/>
+              <a:t>Row 3:  Terraform code, state file, and cloud resources all matching</a:t>
+            </a:r>
+          </a:p>
+          <a:p>
+            <a:pPr>
+              <a:defRPr>
+                <a:latin typeface="Helvetica"/>
+                <a:ea typeface="Helvetica"/>
+                <a:cs typeface="Helvetica"/>
+                <a:sym typeface="Helvetica"/>
+              </a:defRPr>
+            </a:pPr>
+            <a:r>
+              <a:rPr lang="en-US" b="0" dirty="0"/>
+              <a:t>Row 4:  Does not exist in TF code, but does exist in state, and does exist in cloud.  (Means you changed your code, and removed something)</a:t>
+            </a:r>
+          </a:p>
+          <a:p>
+            <a:pPr>
+              <a:defRPr>
+                <a:latin typeface="Helvetica"/>
+                <a:ea typeface="Helvetica"/>
+                <a:cs typeface="Helvetica"/>
+                <a:sym typeface="Helvetica"/>
+              </a:defRPr>
+            </a:pPr>
+            <a:r>
+              <a:rPr lang="en-US" b="0" dirty="0"/>
+              <a:t>Row 5:  Does not exist in TF code, also not in state file, but does exist in cloud.  (This is something Terraform has no idea about and is not managing)</a:t>
+            </a:r>
+          </a:p>
+          <a:p>
+            <a:pPr>
+              <a:defRPr>
+                <a:latin typeface="Helvetica"/>
+                <a:ea typeface="Helvetica"/>
+                <a:cs typeface="Helvetica"/>
+                <a:sym typeface="Helvetica"/>
+              </a:defRPr>
+            </a:pPr>
+            <a:r>
+              <a:rPr lang="en-US" b="0" dirty="0"/>
+              <a:t>Row 6:  Exists in Terraform code, not in state file, but does exist in cloud.  (This might mean someone tampered with the state file, usually triggers a re-create)</a:t>
+            </a:r>
+          </a:p>
+          <a:p>
+            <a:pPr>
+              <a:defRPr>
+                <a:latin typeface="Helvetica"/>
+                <a:ea typeface="Helvetica"/>
+                <a:cs typeface="Helvetica"/>
+                <a:sym typeface="Helvetica"/>
+              </a:defRPr>
+            </a:pPr>
+            <a:r>
+              <a:rPr lang="en-US" b="0" dirty="0"/>
+              <a:t>Row 7:  Does not exist in TF code, does exist in state file, but does not exist in cloud.  (Delete resource from terraform and manually delete from cloud, can create this state)</a:t>
             </a:r>
           </a:p>
         </p:txBody>
@@ -1789,6 +1912,10 @@
           </p:nvPr>
         </p:nvSpPr>
         <p:spPr>
+          <a:xfrm>
+            <a:off x="381000" y="685800"/>
+            <a:ext cx="6096000" cy="3429000"/>
+          </a:xfrm>
           <a:prstGeom prst="rect">
             <a:avLst/>
           </a:prstGeom>
@@ -3098,7 +3225,7 @@
           </a:ln>
           <a:extLst>
             <a:ext uri="{C572A759-6A51-4108-AA02-DFA0A04FC94B}">
-              <ma14:wrappingTextBoxFlag xmlns:ma14="http://schemas.microsoft.com/office/mac/drawingml/2011/main" xmlns="" val="1"/>
+              <ma14:wrappingTextBoxFlag xmlns="" xmlns:ma14="http://schemas.microsoft.com/office/mac/drawingml/2011/main" val="1"/>
             </a:ext>
           </a:extLst>
         </p:spPr>
@@ -5167,7 +5294,7 @@
           </a:ln>
           <a:extLst>
             <a:ext uri="{C572A759-6A51-4108-AA02-DFA0A04FC94B}">
-              <ma14:wrappingTextBoxFlag xmlns:ma14="http://schemas.microsoft.com/office/mac/drawingml/2011/main" xmlns="" val="1"/>
+              <ma14:wrappingTextBoxFlag xmlns="" xmlns:ma14="http://schemas.microsoft.com/office/mac/drawingml/2011/main" val="1"/>
             </a:ext>
           </a:extLst>
         </p:spPr>
@@ -5236,7 +5363,7 @@
           </a:ln>
           <a:extLst>
             <a:ext uri="{C572A759-6A51-4108-AA02-DFA0A04FC94B}">
-              <ma14:wrappingTextBoxFlag xmlns:ma14="http://schemas.microsoft.com/office/mac/drawingml/2011/main" xmlns="" val="1"/>
+              <ma14:wrappingTextBoxFlag xmlns="" xmlns:ma14="http://schemas.microsoft.com/office/mac/drawingml/2011/main" val="1"/>
             </a:ext>
           </a:extLst>
         </p:spPr>
@@ -6507,8 +6634,10 @@
               <a:defRPr sz="5760"/>
             </a:pPr>
             <a:r>
-              <a:t>State is on a remote source like Terraform Enterprise or Consul</a:t>
-            </a:r>
+              <a:rPr dirty="0"/>
+              <a:t>State is on a remote source like Terraform Enterprise</a:t>
+            </a:r>
+            <a:endParaRPr lang="en-US" dirty="0"/>
           </a:p>
           <a:p>
             <a:pPr defTabSz="792479">
@@ -6518,6 +6647,7 @@
               <a:defRPr sz="5760"/>
             </a:pPr>
             <a:r>
+              <a:rPr dirty="0"/>
               <a:t>Remote storage is responsible for handling merging and locking</a:t>
             </a:r>
           </a:p>
@@ -6529,6 +6659,7 @@
               <a:defRPr sz="5760"/>
             </a:pPr>
             <a:r>
+              <a:rPr dirty="0"/>
               <a:t>Can be queried for information in other Terraform configurations</a:t>
             </a:r>
           </a:p>
@@ -6540,6 +6671,7 @@
               <a:defRPr sz="5760"/>
             </a:pPr>
             <a:r>
+              <a:rPr dirty="0"/>
               <a:t>Unnecessary overhead for small teams</a:t>
             </a:r>
           </a:p>
@@ -6551,6 +6683,7 @@
               <a:defRPr sz="5760"/>
             </a:pPr>
             <a:r>
+              <a:rPr dirty="0"/>
               <a:t>Best-suited for large or distributed teams</a:t>
             </a:r>
           </a:p>
@@ -6602,7 +6735,7 @@
           </a:prstGeom>
           <a:extLst>
             <a:ext uri="{C572A759-6A51-4108-AA02-DFA0A04FC94B}">
-              <ma14:wrappingTextBoxFlag xmlns:ma14="http://schemas.microsoft.com/office/mac/drawingml/2011/main" xmlns="" val="1"/>
+              <ma14:wrappingTextBoxFlag xmlns="" xmlns:ma14="http://schemas.microsoft.com/office/mac/drawingml/2011/main" val="1"/>
             </a:ext>
           </a:extLst>
         </p:spPr>
@@ -7227,7 +7360,7 @@
           </a:prstGeom>
           <a:extLst>
             <a:ext uri="{C572A759-6A51-4108-AA02-DFA0A04FC94B}">
-              <ma14:wrappingTextBoxFlag xmlns:ma14="http://schemas.microsoft.com/office/mac/drawingml/2011/main" xmlns="" val="1"/>
+              <ma14:wrappingTextBoxFlag xmlns="" xmlns:ma14="http://schemas.microsoft.com/office/mac/drawingml/2011/main" val="1"/>
             </a:ext>
           </a:extLst>
         </p:spPr>
@@ -7549,7 +7682,7 @@
 </file>
 
 <file path=ppt/slides/slide18.xml><?xml version="1.0" encoding="utf-8"?>
-<p:sld xmlns:a="http://schemas.openxmlformats.org/drawingml/2006/main" xmlns:r="http://schemas.openxmlformats.org/officeDocument/2006/relationships" xmlns:p="http://schemas.openxmlformats.org/presentationml/2006/main">
+<p:sld xmlns:a="http://schemas.openxmlformats.org/drawingml/2006/main" xmlns:r="http://schemas.openxmlformats.org/officeDocument/2006/relationships" xmlns:p="http://schemas.openxmlformats.org/presentationml/2006/main" show="0">
   <p:cSld>
     <p:spTree>
       <p:nvGrpSpPr>
@@ -7642,7 +7775,7 @@
 </file>
 
 <file path=ppt/slides/slide19.xml><?xml version="1.0" encoding="utf-8"?>
-<p:sld xmlns:a="http://schemas.openxmlformats.org/drawingml/2006/main" xmlns:r="http://schemas.openxmlformats.org/officeDocument/2006/relationships" xmlns:p="http://schemas.openxmlformats.org/presentationml/2006/main">
+<p:sld xmlns:a="http://schemas.openxmlformats.org/drawingml/2006/main" xmlns:r="http://schemas.openxmlformats.org/officeDocument/2006/relationships" xmlns:p="http://schemas.openxmlformats.org/presentationml/2006/main" show="0">
   <p:cSld>
     <p:spTree>
       <p:nvGrpSpPr>
@@ -7678,7 +7811,7 @@
           </a:prstGeom>
           <a:extLst>
             <a:ext uri="{C572A759-6A51-4108-AA02-DFA0A04FC94B}">
-              <ma14:wrappingTextBoxFlag xmlns:ma14="http://schemas.microsoft.com/office/mac/drawingml/2011/main" xmlns="" val="1"/>
+              <ma14:wrappingTextBoxFlag xmlns="" xmlns:ma14="http://schemas.microsoft.com/office/mac/drawingml/2011/main" val="1"/>
             </a:ext>
           </a:extLst>
         </p:spPr>
@@ -7966,7 +8099,7 @@
           </a:prstGeom>
           <a:extLst>
             <a:ext uri="{C572A759-6A51-4108-AA02-DFA0A04FC94B}">
-              <ma14:wrappingTextBoxFlag xmlns:ma14="http://schemas.microsoft.com/office/mac/drawingml/2011/main" xmlns="" val="1"/>
+              <ma14:wrappingTextBoxFlag xmlns="" xmlns:ma14="http://schemas.microsoft.com/office/mac/drawingml/2011/main" val="1"/>
             </a:ext>
           </a:extLst>
         </p:spPr>
@@ -12074,16 +12207,19 @@
           <a:lstStyle/>
           <a:p>
             <a:r>
+              <a:rPr dirty="0"/>
               <a:t>Terraform only manages previous or imported resources.</a:t>
             </a:r>
           </a:p>
           <a:p>
             <a:r>
-              <a:t>Terraform can "import" state for existing resources.</a:t>
-            </a:r>
-          </a:p>
-          <a:p>
-            <a:r>
+              <a:rPr dirty="0"/>
+              <a:t>Terraform can import state for existing resources.</a:t>
+            </a:r>
+          </a:p>
+          <a:p>
+            <a:r>
+              <a:rPr dirty="0"/>
               <a:t>This only writes the state file, not the Terraform configuration.</a:t>
             </a:r>
           </a:p>
